--- a/statistical analysis/session files/Session 4 Files-20200907/Session 4 and 5.pptx
+++ b/statistical analysis/session files/Session 4 Files-20200907/Session 4 and 5.pptx
@@ -27,11 +27,12 @@
     <p:sldId id="267" r:id="rId21"/>
     <p:sldId id="268" r:id="rId22"/>
     <p:sldId id="276" r:id="rId23"/>
-    <p:sldId id="277" r:id="rId24"/>
-    <p:sldId id="278" r:id="rId25"/>
-    <p:sldId id="282" r:id="rId26"/>
-    <p:sldId id="281" r:id="rId27"/>
-    <p:sldId id="284" r:id="rId28"/>
+    <p:sldId id="291" r:id="rId24"/>
+    <p:sldId id="277" r:id="rId25"/>
+    <p:sldId id="278" r:id="rId26"/>
+    <p:sldId id="282" r:id="rId27"/>
+    <p:sldId id="281" r:id="rId28"/>
+    <p:sldId id="284" r:id="rId29"/>
   </p:sldIdLst>
   <p:sldSz cx="12192000" cy="6858000"/>
   <p:notesSz cx="6858000" cy="9144000"/>
@@ -136,6 +137,295 @@
     </p:ext>
   </p:extLst>
 </p:presentation>
+</file>
+
+<file path=ppt/revisionInfo.xml><?xml version="1.0" encoding="utf-8"?>
+<p1510:revInfo xmlns:a="http://schemas.openxmlformats.org/drawingml/2006/main" xmlns:r="http://schemas.openxmlformats.org/officeDocument/2006/relationships" xmlns:p1510="http://schemas.microsoft.com/office/powerpoint/2015/10/main">
+  <p1510:revLst>
+    <p1510:client id="{4390C108-303D-42E7-987D-D3ABE13E22CB}" v="37" dt="2020-10-08T17:43:05.062"/>
+  </p1510:revLst>
+</p1510:revInfo>
+</file>
+
+<file path=ppt/changesInfos/changesInfo1.xml><?xml version="1.0" encoding="utf-8"?>
+<pc:chgInfo xmlns:a="http://schemas.openxmlformats.org/drawingml/2006/main" xmlns:r="http://schemas.openxmlformats.org/officeDocument/2006/relationships" xmlns:ac="http://schemas.microsoft.com/office/drawing/2013/main/command" xmlns:pc="http://schemas.microsoft.com/office/powerpoint/2013/main/command">
+  <pc:docChgLst>
+    <pc:chgData name="Sanyal, Sandipto" userId="ce8b666d-e07a-48aa-9977-3164567db1db" providerId="ADAL" clId="{4390C108-303D-42E7-987D-D3ABE13E22CB}"/>
+    <pc:docChg chg="undo redo custSel addSld modSld">
+      <pc:chgData name="Sanyal, Sandipto" userId="ce8b666d-e07a-48aa-9977-3164567db1db" providerId="ADAL" clId="{4390C108-303D-42E7-987D-D3ABE13E22CB}" dt="2020-10-08T17:43:58.213" v="227" actId="1076"/>
+      <pc:docMkLst>
+        <pc:docMk/>
+      </pc:docMkLst>
+      <pc:sldChg chg="addSp modSp">
+        <pc:chgData name="Sanyal, Sandipto" userId="ce8b666d-e07a-48aa-9977-3164567db1db" providerId="ADAL" clId="{4390C108-303D-42E7-987D-D3ABE13E22CB}" dt="2020-09-10T08:35:21.079" v="5" actId="571"/>
+        <pc:sldMkLst>
+          <pc:docMk/>
+          <pc:sldMk cId="2771750054" sldId="259"/>
+        </pc:sldMkLst>
+        <pc:spChg chg="add mod">
+          <ac:chgData name="Sanyal, Sandipto" userId="ce8b666d-e07a-48aa-9977-3164567db1db" providerId="ADAL" clId="{4390C108-303D-42E7-987D-D3ABE13E22CB}" dt="2020-09-10T08:35:16.621" v="4" actId="1076"/>
+          <ac:spMkLst>
+            <pc:docMk/>
+            <pc:sldMk cId="2771750054" sldId="259"/>
+            <ac:spMk id="4" creationId="{C6C70084-AA70-4F97-9718-FCAE4EA7B187}"/>
+          </ac:spMkLst>
+        </pc:spChg>
+        <pc:spChg chg="add mod">
+          <ac:chgData name="Sanyal, Sandipto" userId="ce8b666d-e07a-48aa-9977-3164567db1db" providerId="ADAL" clId="{4390C108-303D-42E7-987D-D3ABE13E22CB}" dt="2020-09-10T08:35:21.079" v="5" actId="571"/>
+          <ac:spMkLst>
+            <pc:docMk/>
+            <pc:sldMk cId="2771750054" sldId="259"/>
+            <ac:spMk id="19" creationId="{0C0E2F8B-BB62-48C8-83F1-1291D6F544E1}"/>
+          </ac:spMkLst>
+        </pc:spChg>
+      </pc:sldChg>
+      <pc:sldChg chg="delSp">
+        <pc:chgData name="Sanyal, Sandipto" userId="ce8b666d-e07a-48aa-9977-3164567db1db" providerId="ADAL" clId="{4390C108-303D-42E7-987D-D3ABE13E22CB}" dt="2020-10-08T13:43:57.339" v="7" actId="478"/>
+        <pc:sldMkLst>
+          <pc:docMk/>
+          <pc:sldMk cId="2608695183" sldId="268"/>
+        </pc:sldMkLst>
+        <pc:spChg chg="del">
+          <ac:chgData name="Sanyal, Sandipto" userId="ce8b666d-e07a-48aa-9977-3164567db1db" providerId="ADAL" clId="{4390C108-303D-42E7-987D-D3ABE13E22CB}" dt="2020-10-08T13:43:57.339" v="7" actId="478"/>
+          <ac:spMkLst>
+            <pc:docMk/>
+            <pc:sldMk cId="2608695183" sldId="268"/>
+            <ac:spMk id="3" creationId="{00000000-0000-0000-0000-000000000000}"/>
+          </ac:spMkLst>
+        </pc:spChg>
+        <pc:spChg chg="del">
+          <ac:chgData name="Sanyal, Sandipto" userId="ce8b666d-e07a-48aa-9977-3164567db1db" providerId="ADAL" clId="{4390C108-303D-42E7-987D-D3ABE13E22CB}" dt="2020-10-08T13:43:57.339" v="7" actId="478"/>
+          <ac:spMkLst>
+            <pc:docMk/>
+            <pc:sldMk cId="2608695183" sldId="268"/>
+            <ac:spMk id="4" creationId="{00000000-0000-0000-0000-000000000000}"/>
+          </ac:spMkLst>
+        </pc:spChg>
+      </pc:sldChg>
+      <pc:sldChg chg="modSp">
+        <pc:chgData name="Sanyal, Sandipto" userId="ce8b666d-e07a-48aa-9977-3164567db1db" providerId="ADAL" clId="{4390C108-303D-42E7-987D-D3ABE13E22CB}" dt="2020-09-10T05:42:57.320" v="1" actId="13926"/>
+        <pc:sldMkLst>
+          <pc:docMk/>
+          <pc:sldMk cId="3661449579" sldId="269"/>
+        </pc:sldMkLst>
+        <pc:spChg chg="mod">
+          <ac:chgData name="Sanyal, Sandipto" userId="ce8b666d-e07a-48aa-9977-3164567db1db" providerId="ADAL" clId="{4390C108-303D-42E7-987D-D3ABE13E22CB}" dt="2020-09-10T05:42:57.320" v="1" actId="13926"/>
+          <ac:spMkLst>
+            <pc:docMk/>
+            <pc:sldMk cId="3661449579" sldId="269"/>
+            <ac:spMk id="3" creationId="{00000000-0000-0000-0000-000000000000}"/>
+          </ac:spMkLst>
+        </pc:spChg>
+      </pc:sldChg>
+      <pc:sldChg chg="addSp modSp">
+        <pc:chgData name="Sanyal, Sandipto" userId="ce8b666d-e07a-48aa-9977-3164567db1db" providerId="ADAL" clId="{4390C108-303D-42E7-987D-D3ABE13E22CB}" dt="2020-09-10T09:31:44.602" v="6" actId="164"/>
+        <pc:sldMkLst>
+          <pc:docMk/>
+          <pc:sldMk cId="2000523586" sldId="289"/>
+        </pc:sldMkLst>
+        <pc:spChg chg="mod">
+          <ac:chgData name="Sanyal, Sandipto" userId="ce8b666d-e07a-48aa-9977-3164567db1db" providerId="ADAL" clId="{4390C108-303D-42E7-987D-D3ABE13E22CB}" dt="2020-09-10T09:31:44.602" v="6" actId="164"/>
+          <ac:spMkLst>
+            <pc:docMk/>
+            <pc:sldMk cId="2000523586" sldId="289"/>
+            <ac:spMk id="4" creationId="{00000000-0000-0000-0000-000000000000}"/>
+          </ac:spMkLst>
+        </pc:spChg>
+        <pc:spChg chg="mod">
+          <ac:chgData name="Sanyal, Sandipto" userId="ce8b666d-e07a-48aa-9977-3164567db1db" providerId="ADAL" clId="{4390C108-303D-42E7-987D-D3ABE13E22CB}" dt="2020-09-10T09:31:44.602" v="6" actId="164"/>
+          <ac:spMkLst>
+            <pc:docMk/>
+            <pc:sldMk cId="2000523586" sldId="289"/>
+            <ac:spMk id="5" creationId="{00000000-0000-0000-0000-000000000000}"/>
+          </ac:spMkLst>
+        </pc:spChg>
+        <pc:spChg chg="mod">
+          <ac:chgData name="Sanyal, Sandipto" userId="ce8b666d-e07a-48aa-9977-3164567db1db" providerId="ADAL" clId="{4390C108-303D-42E7-987D-D3ABE13E22CB}" dt="2020-09-10T09:31:44.602" v="6" actId="164"/>
+          <ac:spMkLst>
+            <pc:docMk/>
+            <pc:sldMk cId="2000523586" sldId="289"/>
+            <ac:spMk id="8" creationId="{18B57DE2-96AE-43F1-BA9A-F897DE20D076}"/>
+          </ac:spMkLst>
+        </pc:spChg>
+        <pc:grpChg chg="add mod">
+          <ac:chgData name="Sanyal, Sandipto" userId="ce8b666d-e07a-48aa-9977-3164567db1db" providerId="ADAL" clId="{4390C108-303D-42E7-987D-D3ABE13E22CB}" dt="2020-09-10T09:31:44.602" v="6" actId="164"/>
+          <ac:grpSpMkLst>
+            <pc:docMk/>
+            <pc:sldMk cId="2000523586" sldId="289"/>
+            <ac:grpSpMk id="6" creationId="{9DA13D00-9E5A-4436-95E9-CC6415BAAB16}"/>
+          </ac:grpSpMkLst>
+        </pc:grpChg>
+        <pc:graphicFrameChg chg="mod">
+          <ac:chgData name="Sanyal, Sandipto" userId="ce8b666d-e07a-48aa-9977-3164567db1db" providerId="ADAL" clId="{4390C108-303D-42E7-987D-D3ABE13E22CB}" dt="2020-09-10T09:31:44.602" v="6" actId="164"/>
+          <ac:graphicFrameMkLst>
+            <pc:docMk/>
+            <pc:sldMk cId="2000523586" sldId="289"/>
+            <ac:graphicFrameMk id="3" creationId="{00000000-0000-0000-0000-000000000000}"/>
+          </ac:graphicFrameMkLst>
+        </pc:graphicFrameChg>
+        <pc:cxnChg chg="mod">
+          <ac:chgData name="Sanyal, Sandipto" userId="ce8b666d-e07a-48aa-9977-3164567db1db" providerId="ADAL" clId="{4390C108-303D-42E7-987D-D3ABE13E22CB}" dt="2020-09-10T09:31:44.602" v="6" actId="164"/>
+          <ac:cxnSpMkLst>
+            <pc:docMk/>
+            <pc:sldMk cId="2000523586" sldId="289"/>
+            <ac:cxnSpMk id="7" creationId="{00000000-0000-0000-0000-000000000000}"/>
+          </ac:cxnSpMkLst>
+        </pc:cxnChg>
+      </pc:sldChg>
+      <pc:sldChg chg="addSp delSp modSp add">
+        <pc:chgData name="Sanyal, Sandipto" userId="ce8b666d-e07a-48aa-9977-3164567db1db" providerId="ADAL" clId="{4390C108-303D-42E7-987D-D3ABE13E22CB}" dt="2020-10-08T17:43:58.213" v="227" actId="1076"/>
+        <pc:sldMkLst>
+          <pc:docMk/>
+          <pc:sldMk cId="3755718290" sldId="291"/>
+        </pc:sldMkLst>
+        <pc:spChg chg="del">
+          <ac:chgData name="Sanyal, Sandipto" userId="ce8b666d-e07a-48aa-9977-3164567db1db" providerId="ADAL" clId="{4390C108-303D-42E7-987D-D3ABE13E22CB}" dt="2020-10-08T13:44:05.283" v="10" actId="478"/>
+          <ac:spMkLst>
+            <pc:docMk/>
+            <pc:sldMk cId="3755718290" sldId="291"/>
+            <ac:spMk id="2" creationId="{6AE8DF70-7A51-4403-B1BA-8784C2F106F3}"/>
+          </ac:spMkLst>
+        </pc:spChg>
+        <pc:spChg chg="del">
+          <ac:chgData name="Sanyal, Sandipto" userId="ce8b666d-e07a-48aa-9977-3164567db1db" providerId="ADAL" clId="{4390C108-303D-42E7-987D-D3ABE13E22CB}" dt="2020-10-08T13:44:04.059" v="9" actId="478"/>
+          <ac:spMkLst>
+            <pc:docMk/>
+            <pc:sldMk cId="3755718290" sldId="291"/>
+            <ac:spMk id="3" creationId="{E40B500A-39D6-4FA1-B55E-1E87138681B0}"/>
+          </ac:spMkLst>
+        </pc:spChg>
+        <pc:spChg chg="del">
+          <ac:chgData name="Sanyal, Sandipto" userId="ce8b666d-e07a-48aa-9977-3164567db1db" providerId="ADAL" clId="{4390C108-303D-42E7-987D-D3ABE13E22CB}" dt="2020-10-08T13:44:04.059" v="9" actId="478"/>
+          <ac:spMkLst>
+            <pc:docMk/>
+            <pc:sldMk cId="3755718290" sldId="291"/>
+            <ac:spMk id="4" creationId="{8F73C94D-53DF-442A-90FC-632C8AE412BC}"/>
+          </ac:spMkLst>
+        </pc:spChg>
+        <pc:spChg chg="add mod">
+          <ac:chgData name="Sanyal, Sandipto" userId="ce8b666d-e07a-48aa-9977-3164567db1db" providerId="ADAL" clId="{4390C108-303D-42E7-987D-D3ABE13E22CB}" dt="2020-10-08T17:43:58.213" v="227" actId="1076"/>
+          <ac:spMkLst>
+            <pc:docMk/>
+            <pc:sldMk cId="3755718290" sldId="291"/>
+            <ac:spMk id="8" creationId="{CD6A2526-B1E6-43BE-A951-A568C23AF32F}"/>
+          </ac:spMkLst>
+        </pc:spChg>
+        <pc:spChg chg="add mod">
+          <ac:chgData name="Sanyal, Sandipto" userId="ce8b666d-e07a-48aa-9977-3164567db1db" providerId="ADAL" clId="{4390C108-303D-42E7-987D-D3ABE13E22CB}" dt="2020-10-08T17:42:50.293" v="213" actId="1076"/>
+          <ac:spMkLst>
+            <pc:docMk/>
+            <pc:sldMk cId="3755718290" sldId="291"/>
+            <ac:spMk id="9" creationId="{F7AEBC1B-4427-4251-9D9F-D7A6E5AED8D1}"/>
+          </ac:spMkLst>
+        </pc:spChg>
+        <pc:spChg chg="add del">
+          <ac:chgData name="Sanyal, Sandipto" userId="ce8b666d-e07a-48aa-9977-3164567db1db" providerId="ADAL" clId="{4390C108-303D-42E7-987D-D3ABE13E22CB}" dt="2020-10-08T17:23:12.091" v="104"/>
+          <ac:spMkLst>
+            <pc:docMk/>
+            <pc:sldMk cId="3755718290" sldId="291"/>
+            <ac:spMk id="17" creationId="{4D2F4F7E-BD76-4E40-B29D-112BAF1FA654}"/>
+          </ac:spMkLst>
+        </pc:spChg>
+        <pc:spChg chg="add mod">
+          <ac:chgData name="Sanyal, Sandipto" userId="ce8b666d-e07a-48aa-9977-3164567db1db" providerId="ADAL" clId="{4390C108-303D-42E7-987D-D3ABE13E22CB}" dt="2020-10-08T17:23:15.828" v="106" actId="571"/>
+          <ac:spMkLst>
+            <pc:docMk/>
+            <pc:sldMk cId="3755718290" sldId="291"/>
+            <ac:spMk id="19" creationId="{2449012B-F209-492D-91E9-F4A41046181E}"/>
+          </ac:spMkLst>
+        </pc:spChg>
+        <pc:spChg chg="add mod">
+          <ac:chgData name="Sanyal, Sandipto" userId="ce8b666d-e07a-48aa-9977-3164567db1db" providerId="ADAL" clId="{4390C108-303D-42E7-987D-D3ABE13E22CB}" dt="2020-10-08T17:42:05.325" v="210" actId="1076"/>
+          <ac:spMkLst>
+            <pc:docMk/>
+            <pc:sldMk cId="3755718290" sldId="291"/>
+            <ac:spMk id="20" creationId="{62D1CBC3-DAD3-4F7A-A765-F11466693D19}"/>
+          </ac:spMkLst>
+        </pc:spChg>
+        <pc:spChg chg="add mod">
+          <ac:chgData name="Sanyal, Sandipto" userId="ce8b666d-e07a-48aa-9977-3164567db1db" providerId="ADAL" clId="{4390C108-303D-42E7-987D-D3ABE13E22CB}" dt="2020-10-08T17:41:25.637" v="209" actId="1076"/>
+          <ac:spMkLst>
+            <pc:docMk/>
+            <pc:sldMk cId="3755718290" sldId="291"/>
+            <ac:spMk id="22" creationId="{759823C2-0AF3-4EBF-A4FF-0797EC1095F9}"/>
+          </ac:spMkLst>
+        </pc:spChg>
+        <pc:spChg chg="add mod ord">
+          <ac:chgData name="Sanyal, Sandipto" userId="ce8b666d-e07a-48aa-9977-3164567db1db" providerId="ADAL" clId="{4390C108-303D-42E7-987D-D3ABE13E22CB}" dt="2020-10-08T17:43:44.797" v="224" actId="1076"/>
+          <ac:spMkLst>
+            <pc:docMk/>
+            <pc:sldMk cId="3755718290" sldId="291"/>
+            <ac:spMk id="24" creationId="{AD2F4581-4246-4717-91B8-2D1794FBE5A6}"/>
+          </ac:spMkLst>
+        </pc:spChg>
+        <pc:spChg chg="add mod ord">
+          <ac:chgData name="Sanyal, Sandipto" userId="ce8b666d-e07a-48aa-9977-3164567db1db" providerId="ADAL" clId="{4390C108-303D-42E7-987D-D3ABE13E22CB}" dt="2020-10-08T17:43:53.221" v="226" actId="1076"/>
+          <ac:spMkLst>
+            <pc:docMk/>
+            <pc:sldMk cId="3755718290" sldId="291"/>
+            <ac:spMk id="25" creationId="{BBBB6C89-2F81-4719-8743-0437E7F29C04}"/>
+          </ac:spMkLst>
+        </pc:spChg>
+        <pc:grpChg chg="add mod">
+          <ac:chgData name="Sanyal, Sandipto" userId="ce8b666d-e07a-48aa-9977-3164567db1db" providerId="ADAL" clId="{4390C108-303D-42E7-987D-D3ABE13E22CB}" dt="2020-10-08T17:43:05.062" v="214" actId="571"/>
+          <ac:grpSpMkLst>
+            <pc:docMk/>
+            <pc:sldMk cId="3755718290" sldId="291"/>
+            <ac:grpSpMk id="10" creationId="{9727A03C-391D-4AFD-8B35-18B597EC0935}"/>
+          </ac:grpSpMkLst>
+        </pc:grpChg>
+        <pc:grpChg chg="add del mod">
+          <ac:chgData name="Sanyal, Sandipto" userId="ce8b666d-e07a-48aa-9977-3164567db1db" providerId="ADAL" clId="{4390C108-303D-42E7-987D-D3ABE13E22CB}" dt="2020-10-08T15:53:59.432" v="86" actId="478"/>
+          <ac:grpSpMkLst>
+            <pc:docMk/>
+            <pc:sldMk cId="3755718290" sldId="291"/>
+            <ac:grpSpMk id="11" creationId="{D736C6E3-83C8-4CAA-B4ED-4B1BE2DA32BB}"/>
+          </ac:grpSpMkLst>
+        </pc:grpChg>
+        <pc:picChg chg="add mod modCrop">
+          <ac:chgData name="Sanyal, Sandipto" userId="ce8b666d-e07a-48aa-9977-3164567db1db" providerId="ADAL" clId="{4390C108-303D-42E7-987D-D3ABE13E22CB}" dt="2020-10-08T17:40:50.054" v="202" actId="732"/>
+          <ac:picMkLst>
+            <pc:docMk/>
+            <pc:sldMk cId="3755718290" sldId="291"/>
+            <ac:picMk id="5" creationId="{32946886-2991-462B-BB3A-252C5FC0CCF1}"/>
+          </ac:picMkLst>
+        </pc:picChg>
+        <pc:picChg chg="add mod ord modCrop">
+          <ac:chgData name="Sanyal, Sandipto" userId="ce8b666d-e07a-48aa-9977-3164567db1db" providerId="ADAL" clId="{4390C108-303D-42E7-987D-D3ABE13E22CB}" dt="2020-10-08T17:41:20.574" v="208" actId="1076"/>
+          <ac:picMkLst>
+            <pc:docMk/>
+            <pc:sldMk cId="3755718290" sldId="291"/>
+            <ac:picMk id="16" creationId="{1672D652-D29D-4A9F-BB6D-FFB860FBAEC6}"/>
+          </ac:picMkLst>
+        </pc:picChg>
+        <pc:picChg chg="add mod">
+          <ac:chgData name="Sanyal, Sandipto" userId="ce8b666d-e07a-48aa-9977-3164567db1db" providerId="ADAL" clId="{4390C108-303D-42E7-987D-D3ABE13E22CB}" dt="2020-10-08T17:23:15.828" v="106" actId="571"/>
+          <ac:picMkLst>
+            <pc:docMk/>
+            <pc:sldMk cId="3755718290" sldId="291"/>
+            <ac:picMk id="18" creationId="{D735F97A-EDE7-4F83-91D4-F45984FBD14B}"/>
+          </ac:picMkLst>
+        </pc:picChg>
+        <pc:picChg chg="add mod ord">
+          <ac:chgData name="Sanyal, Sandipto" userId="ce8b666d-e07a-48aa-9977-3164567db1db" providerId="ADAL" clId="{4390C108-303D-42E7-987D-D3ABE13E22CB}" dt="2020-10-08T17:43:44.797" v="224" actId="1076"/>
+          <ac:picMkLst>
+            <pc:docMk/>
+            <pc:sldMk cId="3755718290" sldId="291"/>
+            <ac:picMk id="23" creationId="{D7472AE0-0184-4F9D-8AB2-1B2397AAA619}"/>
+          </ac:picMkLst>
+        </pc:picChg>
+        <pc:cxnChg chg="add mod">
+          <ac:chgData name="Sanyal, Sandipto" userId="ce8b666d-e07a-48aa-9977-3164567db1db" providerId="ADAL" clId="{4390C108-303D-42E7-987D-D3ABE13E22CB}" dt="2020-10-08T17:43:49.581" v="225" actId="14100"/>
+          <ac:cxnSpMkLst>
+            <pc:docMk/>
+            <pc:sldMk cId="3755718290" sldId="291"/>
+            <ac:cxnSpMk id="7" creationId="{206A4040-E612-4516-BD9A-C193D7799BC0}"/>
+          </ac:cxnSpMkLst>
+        </pc:cxnChg>
+      </pc:sldChg>
+    </pc:docChg>
+  </pc:docChgLst>
+</pc:chgInfo>
 </file>
 
 <file path=ppt/charts/chart1.xml><?xml version="1.0" encoding="utf-8"?>
@@ -13898,7 +14188,7 @@
             <a:fld id="{B61BEF0D-F0BB-DE4B-95CE-6DB70DBA9567}" type="datetimeFigureOut">
               <a:rPr lang="en-US" smtClean="0"/>
               <a:pPr/>
-              <a:t>17-Nov-19</a:t>
+              <a:t>10/6/2020</a:t>
             </a:fld>
             <a:endParaRPr lang="en-US" dirty="0"/>
           </a:p>
@@ -14151,7 +14441,7 @@
             <a:fld id="{B61BEF0D-F0BB-DE4B-95CE-6DB70DBA9567}" type="datetimeFigureOut">
               <a:rPr lang="en-US" smtClean="0"/>
               <a:pPr/>
-              <a:t>17-Nov-19</a:t>
+              <a:t>10/6/2020</a:t>
             </a:fld>
             <a:endParaRPr lang="en-US" dirty="0"/>
           </a:p>
@@ -14467,7 +14757,7 @@
             <a:fld id="{B61BEF0D-F0BB-DE4B-95CE-6DB70DBA9567}" type="datetimeFigureOut">
               <a:rPr lang="en-US" smtClean="0"/>
               <a:pPr/>
-              <a:t>17-Nov-19</a:t>
+              <a:t>10/6/2020</a:t>
             </a:fld>
             <a:endParaRPr lang="en-US" dirty="0"/>
           </a:p>
@@ -14810,7 +15100,7 @@
             <a:fld id="{B61BEF0D-F0BB-DE4B-95CE-6DB70DBA9567}" type="datetimeFigureOut">
               <a:rPr lang="en-US" smtClean="0"/>
               <a:pPr/>
-              <a:t>17-Nov-19</a:t>
+              <a:t>10/6/2020</a:t>
             </a:fld>
             <a:endParaRPr lang="en-US" dirty="0"/>
           </a:p>
@@ -15126,7 +15416,7 @@
             <a:fld id="{B61BEF0D-F0BB-DE4B-95CE-6DB70DBA9567}" type="datetimeFigureOut">
               <a:rPr lang="en-US" smtClean="0"/>
               <a:pPr/>
-              <a:t>17-Nov-19</a:t>
+              <a:t>10/6/2020</a:t>
             </a:fld>
             <a:endParaRPr lang="en-US" dirty="0"/>
           </a:p>
@@ -15521,7 +15811,7 @@
             <a:fld id="{B61BEF0D-F0BB-DE4B-95CE-6DB70DBA9567}" type="datetimeFigureOut">
               <a:rPr lang="en-US" smtClean="0"/>
               <a:pPr/>
-              <a:t>17-Nov-19</a:t>
+              <a:t>10/6/2020</a:t>
             </a:fld>
             <a:endParaRPr lang="en-US" dirty="0"/>
           </a:p>
@@ -15693,7 +15983,7 @@
             <a:fld id="{B61BEF0D-F0BB-DE4B-95CE-6DB70DBA9567}" type="datetimeFigureOut">
               <a:rPr lang="en-US" smtClean="0"/>
               <a:pPr/>
-              <a:t>17-Nov-19</a:t>
+              <a:t>10/6/2020</a:t>
             </a:fld>
             <a:endParaRPr lang="en-US" dirty="0"/>
           </a:p>
@@ -15875,7 +16165,7 @@
             <a:fld id="{B61BEF0D-F0BB-DE4B-95CE-6DB70DBA9567}" type="datetimeFigureOut">
               <a:rPr lang="en-US" smtClean="0"/>
               <a:pPr/>
-              <a:t>17-Nov-19</a:t>
+              <a:t>10/6/2020</a:t>
             </a:fld>
             <a:endParaRPr lang="en-US" dirty="0"/>
           </a:p>
@@ -16053,7 +16343,7 @@
             <a:fld id="{B61BEF0D-F0BB-DE4B-95CE-6DB70DBA9567}" type="datetimeFigureOut">
               <a:rPr lang="en-US" smtClean="0"/>
               <a:pPr/>
-              <a:t>17-Nov-19</a:t>
+              <a:t>10/6/2020</a:t>
             </a:fld>
             <a:endParaRPr lang="en-US" dirty="0"/>
           </a:p>
@@ -16302,7 +16592,7 @@
             <a:fld id="{B61BEF0D-F0BB-DE4B-95CE-6DB70DBA9567}" type="datetimeFigureOut">
               <a:rPr lang="en-US" smtClean="0"/>
               <a:pPr/>
-              <a:t>17-Nov-19</a:t>
+              <a:t>10/6/2020</a:t>
             </a:fld>
             <a:endParaRPr lang="en-US" dirty="0"/>
           </a:p>
@@ -16536,7 +16826,7 @@
             <a:fld id="{B61BEF0D-F0BB-DE4B-95CE-6DB70DBA9567}" type="datetimeFigureOut">
               <a:rPr lang="en-US" smtClean="0"/>
               <a:pPr/>
-              <a:t>17-Nov-19</a:t>
+              <a:t>10/6/2020</a:t>
             </a:fld>
             <a:endParaRPr lang="en-US" dirty="0"/>
           </a:p>
@@ -16912,7 +17202,7 @@
             <a:fld id="{B61BEF0D-F0BB-DE4B-95CE-6DB70DBA9567}" type="datetimeFigureOut">
               <a:rPr lang="en-US" smtClean="0"/>
               <a:pPr/>
-              <a:t>17-Nov-19</a:t>
+              <a:t>10/6/2020</a:t>
             </a:fld>
             <a:endParaRPr lang="en-US" dirty="0"/>
           </a:p>
@@ -17037,7 +17327,7 @@
             <a:fld id="{B61BEF0D-F0BB-DE4B-95CE-6DB70DBA9567}" type="datetimeFigureOut">
               <a:rPr lang="en-US" smtClean="0"/>
               <a:pPr/>
-              <a:t>17-Nov-19</a:t>
+              <a:t>10/6/2020</a:t>
             </a:fld>
             <a:endParaRPr lang="en-US" dirty="0"/>
           </a:p>
@@ -17134,7 +17424,7 @@
             <a:fld id="{B61BEF0D-F0BB-DE4B-95CE-6DB70DBA9567}" type="datetimeFigureOut">
               <a:rPr lang="en-US" smtClean="0"/>
               <a:pPr/>
-              <a:t>17-Nov-19</a:t>
+              <a:t>10/6/2020</a:t>
             </a:fld>
             <a:endParaRPr lang="en-US" dirty="0"/>
           </a:p>
@@ -17391,7 +17681,7 @@
             <a:fld id="{B61BEF0D-F0BB-DE4B-95CE-6DB70DBA9567}" type="datetimeFigureOut">
               <a:rPr lang="en-US" smtClean="0"/>
               <a:pPr/>
-              <a:t>17-Nov-19</a:t>
+              <a:t>10/6/2020</a:t>
             </a:fld>
             <a:endParaRPr lang="en-US" dirty="0"/>
           </a:p>
@@ -17656,7 +17946,7 @@
             <a:fld id="{B61BEF0D-F0BB-DE4B-95CE-6DB70DBA9567}" type="datetimeFigureOut">
               <a:rPr lang="en-US" smtClean="0"/>
               <a:pPr/>
-              <a:t>17-Nov-19</a:t>
+              <a:t>10/6/2020</a:t>
             </a:fld>
             <a:endParaRPr lang="en-US" dirty="0"/>
           </a:p>
@@ -18401,7 +18691,7 @@
             <a:fld id="{B61BEF0D-F0BB-DE4B-95CE-6DB70DBA9567}" type="datetimeFigureOut">
               <a:rPr lang="en-US" smtClean="0"/>
               <a:pPr/>
-              <a:t>17-Nov-19</a:t>
+              <a:t>10/6/2020</a:t>
             </a:fld>
             <a:endParaRPr lang="en-US" dirty="0"/>
           </a:p>
@@ -20858,7 +21148,19 @@
               <a:p>
                 <a:r>
                   <a:rPr lang="en-IN" sz="2400" dirty="0"/>
-                  <a:t>LL = 100 – 1.96*</a:t>
+                  <a:t>LL = </a:t>
+                </a:r>
+                <a:r>
+                  <a:rPr lang="en-IN" sz="2400" dirty="0">
+                    <a:highlight>
+                      <a:srgbClr val="FFFF00"/>
+                    </a:highlight>
+                  </a:rPr>
+                  <a:t>100</a:t>
+                </a:r>
+                <a:r>
+                  <a:rPr lang="en-IN" sz="2400" dirty="0"/>
+                  <a:t> – 1.96*</a:t>
                 </a:r>
                 <a14:m>
                   <m:oMath xmlns:m="http://schemas.openxmlformats.org/officeDocument/2006/math">
@@ -20916,7 +21218,19 @@
               <a:p>
                 <a:r>
                   <a:rPr lang="en-IN" sz="2400" dirty="0"/>
-                  <a:t>UL = 100 + 1.96*</a:t>
+                  <a:t>UL = </a:t>
+                </a:r>
+                <a:r>
+                  <a:rPr lang="en-IN" sz="2400" dirty="0">
+                    <a:highlight>
+                      <a:srgbClr val="FFFF00"/>
+                    </a:highlight>
+                  </a:rPr>
+                  <a:t>100</a:t>
+                </a:r>
+                <a:r>
+                  <a:rPr lang="en-IN" sz="2400" dirty="0"/>
+                  <a:t> + 1.96*</a:t>
                 </a:r>
                 <a14:m>
                   <m:oMath xmlns:m="http://schemas.openxmlformats.org/officeDocument/2006/math">
@@ -20999,7 +21313,7 @@
                 <a:off x="677334" y="1184856"/>
                 <a:ext cx="8596668" cy="4958366"/>
               </a:xfrm>
-              <a:blipFill rotWithShape="0">
+              <a:blipFill>
                 <a:blip r:embed="rId2"/>
                 <a:stretch>
                   <a:fillRect l="-567" t="-1720"/>
@@ -21011,7 +21325,7 @@
               <a:lstStyle/>
               <a:p>
                 <a:r>
-                  <a:rPr lang="en-IN">
+                  <a:rPr lang="en-US">
                     <a:noFill/>
                   </a:rPr>
                   <a:t> </a:t>
@@ -28274,7 +28588,6 @@
           </p:cNvGraphicFramePr>
           <p:nvPr>
             <p:ph sz="half" idx="1"/>
-            <p:extLst/>
           </p:nvPr>
         </p:nvGraphicFramePr>
         <p:xfrm>
@@ -28638,9 +28951,7 @@
           <p:cNvGraphicFramePr>
             <a:graphicFrameLocks noGrp="1"/>
           </p:cNvGraphicFramePr>
-          <p:nvPr>
-            <p:extLst/>
-          </p:nvPr>
+          <p:nvPr/>
         </p:nvGraphicFramePr>
         <p:xfrm>
           <a:off x="597343" y="4328846"/>
@@ -28920,9 +29231,7 @@
           <p:cNvGraphicFramePr>
             <a:graphicFrameLocks noGrp="1"/>
           </p:cNvGraphicFramePr>
-          <p:nvPr>
-            <p:extLst/>
-          </p:nvPr>
+          <p:nvPr/>
         </p:nvGraphicFramePr>
         <p:xfrm>
           <a:off x="5421770" y="4405620"/>
@@ -29202,9 +29511,7 @@
           <p:cNvGraphicFramePr>
             <a:graphicFrameLocks noGrp="1"/>
           </p:cNvGraphicFramePr>
-          <p:nvPr>
-            <p:extLst/>
-          </p:nvPr>
+          <p:nvPr/>
         </p:nvGraphicFramePr>
         <p:xfrm>
           <a:off x="597345" y="1470446"/>
@@ -30061,44 +30368,6 @@
               <a:rPr lang="en-IN" dirty="0"/>
               <a:t>Conclusion?</a:t>
             </a:r>
-          </a:p>
-        </p:txBody>
-      </p:sp>
-      <p:sp>
-        <p:nvSpPr>
-          <p:cNvPr id="3" name="Content Placeholder 2"/>
-          <p:cNvSpPr>
-            <a:spLocks noGrp="1"/>
-          </p:cNvSpPr>
-          <p:nvPr>
-            <p:ph sz="half" idx="1"/>
-          </p:nvPr>
-        </p:nvSpPr>
-        <p:spPr/>
-        <p:txBody>
-          <a:bodyPr/>
-          <a:lstStyle/>
-          <a:p>
-            <a:endParaRPr lang="en-IN" dirty="0"/>
-          </a:p>
-        </p:txBody>
-      </p:sp>
-      <p:sp>
-        <p:nvSpPr>
-          <p:cNvPr id="4" name="Content Placeholder 3"/>
-          <p:cNvSpPr>
-            <a:spLocks noGrp="1"/>
-          </p:cNvSpPr>
-          <p:nvPr>
-            <p:ph sz="half" idx="2"/>
-          </p:nvPr>
-        </p:nvSpPr>
-        <p:spPr/>
-        <p:txBody>
-          <a:bodyPr/>
-          <a:lstStyle/>
-          <a:p>
-            <a:endParaRPr lang="en-IN" dirty="0"/>
           </a:p>
         </p:txBody>
       </p:sp>
@@ -31232,6 +31501,522 @@
           <a:chExt cx="0" cy="0"/>
         </a:xfrm>
       </p:grpSpPr>
+      <p:grpSp>
+        <p:nvGrpSpPr>
+          <p:cNvPr id="10" name="Group 9">
+            <a:extLst>
+              <a:ext uri="{FF2B5EF4-FFF2-40B4-BE49-F238E27FC236}">
+                <a16:creationId xmlns:a16="http://schemas.microsoft.com/office/drawing/2014/main" id="{9727A03C-391D-4AFD-8B35-18B597EC0935}"/>
+              </a:ext>
+            </a:extLst>
+          </p:cNvPr>
+          <p:cNvGrpSpPr/>
+          <p:nvPr/>
+        </p:nvGrpSpPr>
+        <p:grpSpPr>
+          <a:xfrm>
+            <a:off x="1435554" y="713558"/>
+            <a:ext cx="8039288" cy="5525044"/>
+            <a:chOff x="1435554" y="713558"/>
+            <a:chExt cx="8039288" cy="5525044"/>
+          </a:xfrm>
+        </p:grpSpPr>
+        <p:pic>
+          <p:nvPicPr>
+            <p:cNvPr id="23" name="Picture 22">
+              <a:extLst>
+                <a:ext uri="{FF2B5EF4-FFF2-40B4-BE49-F238E27FC236}">
+                  <a16:creationId xmlns:a16="http://schemas.microsoft.com/office/drawing/2014/main" id="{D7472AE0-0184-4F9D-8AB2-1B2397AAA619}"/>
+                </a:ext>
+              </a:extLst>
+            </p:cNvPr>
+            <p:cNvPicPr>
+              <a:picLocks noChangeAspect="1"/>
+            </p:cNvPicPr>
+            <p:nvPr/>
+          </p:nvPicPr>
+          <p:blipFill rotWithShape="1">
+            <a:blip r:embed="rId2"/>
+            <a:srcRect b="26349"/>
+            <a:stretch/>
+          </p:blipFill>
+          <p:spPr>
+            <a:xfrm>
+              <a:off x="4464692" y="4113948"/>
+              <a:ext cx="5010150" cy="1767841"/>
+            </a:xfrm>
+            <a:prstGeom prst="rect">
+              <a:avLst/>
+            </a:prstGeom>
+          </p:spPr>
+        </p:pic>
+        <p:sp>
+          <p:nvSpPr>
+            <p:cNvPr id="24" name="TextBox 23">
+              <a:extLst>
+                <a:ext uri="{FF2B5EF4-FFF2-40B4-BE49-F238E27FC236}">
+                  <a16:creationId xmlns:a16="http://schemas.microsoft.com/office/drawing/2014/main" id="{AD2F4581-4246-4717-91B8-2D1794FBE5A6}"/>
+                </a:ext>
+              </a:extLst>
+            </p:cNvPr>
+            <p:cNvSpPr txBox="1"/>
+            <p:nvPr/>
+          </p:nvSpPr>
+          <p:spPr>
+            <a:xfrm>
+              <a:off x="6851744" y="5869270"/>
+              <a:ext cx="1041760" cy="369332"/>
+            </a:xfrm>
+            <a:prstGeom prst="rect">
+              <a:avLst/>
+            </a:prstGeom>
+            <a:noFill/>
+          </p:spPr>
+          <p:txBody>
+            <a:bodyPr wrap="square" rtlCol="0">
+              <a:spAutoFit/>
+            </a:bodyPr>
+            <a:lstStyle/>
+            <a:p>
+              <a:r>
+                <a:rPr lang="el-GR" dirty="0"/>
+                <a:t>μ</a:t>
+              </a:r>
+              <a:r>
+                <a:rPr lang="en-US" baseline="-25000" dirty="0"/>
+                <a:t>n</a:t>
+              </a:r>
+              <a:r>
+                <a:rPr lang="en-US" dirty="0"/>
+                <a:t> &gt;</a:t>
+              </a:r>
+              <a:r>
+                <a:rPr lang="el-GR" dirty="0"/>
+                <a:t> μ</a:t>
+              </a:r>
+              <a:endParaRPr lang="en-US" dirty="0"/>
+            </a:p>
+          </p:txBody>
+        </p:sp>
+        <p:sp>
+          <p:nvSpPr>
+            <p:cNvPr id="25" name="TextBox 24">
+              <a:extLst>
+                <a:ext uri="{FF2B5EF4-FFF2-40B4-BE49-F238E27FC236}">
+                  <a16:creationId xmlns:a16="http://schemas.microsoft.com/office/drawing/2014/main" id="{BBBB6C89-2F81-4719-8743-0437E7F29C04}"/>
+                </a:ext>
+              </a:extLst>
+            </p:cNvPr>
+            <p:cNvSpPr txBox="1"/>
+            <p:nvPr/>
+          </p:nvSpPr>
+          <p:spPr>
+            <a:xfrm>
+              <a:off x="5019049" y="5552802"/>
+              <a:ext cx="307332" cy="369332"/>
+            </a:xfrm>
+            <a:prstGeom prst="rect">
+              <a:avLst/>
+            </a:prstGeom>
+            <a:noFill/>
+          </p:spPr>
+          <p:txBody>
+            <a:bodyPr wrap="square" rtlCol="0">
+              <a:spAutoFit/>
+            </a:bodyPr>
+            <a:lstStyle/>
+            <a:p>
+              <a:r>
+                <a:rPr lang="el-GR" b="1" dirty="0">
+                  <a:solidFill>
+                    <a:srgbClr val="FF0000"/>
+                  </a:solidFill>
+                  <a:latin typeface="Calibri" panose="020F0502020204030204" pitchFamily="34" charset="0"/>
+                  <a:cs typeface="Calibri" panose="020F0502020204030204" pitchFamily="34" charset="0"/>
+                </a:rPr>
+                <a:t>β</a:t>
+              </a:r>
+              <a:r>
+                <a:rPr lang="en-US" dirty="0"/>
+                <a:t> </a:t>
+              </a:r>
+            </a:p>
+          </p:txBody>
+        </p:sp>
+        <p:pic>
+          <p:nvPicPr>
+            <p:cNvPr id="16" name="Picture 15">
+              <a:extLst>
+                <a:ext uri="{FF2B5EF4-FFF2-40B4-BE49-F238E27FC236}">
+                  <a16:creationId xmlns:a16="http://schemas.microsoft.com/office/drawing/2014/main" id="{1672D652-D29D-4A9F-BB6D-FFB860FBAEC6}"/>
+                </a:ext>
+              </a:extLst>
+            </p:cNvPr>
+            <p:cNvPicPr>
+              <a:picLocks noChangeAspect="1"/>
+            </p:cNvPicPr>
+            <p:nvPr/>
+          </p:nvPicPr>
+          <p:blipFill rotWithShape="1">
+            <a:blip r:embed="rId2"/>
+            <a:srcRect b="26349"/>
+            <a:stretch/>
+          </p:blipFill>
+          <p:spPr>
+            <a:xfrm>
+              <a:off x="1959617" y="2413753"/>
+              <a:ext cx="5010150" cy="1767841"/>
+            </a:xfrm>
+            <a:prstGeom prst="rect">
+              <a:avLst/>
+            </a:prstGeom>
+          </p:spPr>
+        </p:pic>
+        <p:pic>
+          <p:nvPicPr>
+            <p:cNvPr id="5" name="Picture 4">
+              <a:extLst>
+                <a:ext uri="{FF2B5EF4-FFF2-40B4-BE49-F238E27FC236}">
+                  <a16:creationId xmlns:a16="http://schemas.microsoft.com/office/drawing/2014/main" id="{32946886-2991-462B-BB3A-252C5FC0CCF1}"/>
+                </a:ext>
+              </a:extLst>
+            </p:cNvPr>
+            <p:cNvPicPr>
+              <a:picLocks noChangeAspect="1"/>
+            </p:cNvPicPr>
+            <p:nvPr/>
+          </p:nvPicPr>
+          <p:blipFill rotWithShape="1">
+            <a:blip r:embed="rId3"/>
+            <a:srcRect b="26871"/>
+            <a:stretch/>
+          </p:blipFill>
+          <p:spPr>
+            <a:xfrm>
+              <a:off x="1435554" y="713558"/>
+              <a:ext cx="5010150" cy="1755322"/>
+            </a:xfrm>
+            <a:prstGeom prst="rect">
+              <a:avLst/>
+            </a:prstGeom>
+          </p:spPr>
+        </p:pic>
+        <p:cxnSp>
+          <p:nvCxnSpPr>
+            <p:cNvPr id="7" name="Straight Connector 6">
+              <a:extLst>
+                <a:ext uri="{FF2B5EF4-FFF2-40B4-BE49-F238E27FC236}">
+                  <a16:creationId xmlns:a16="http://schemas.microsoft.com/office/drawing/2014/main" id="{206A4040-E612-4516-BD9A-C193D7799BC0}"/>
+                </a:ext>
+              </a:extLst>
+            </p:cNvPr>
+            <p:cNvCxnSpPr>
+              <a:cxnSpLocks/>
+            </p:cNvCxnSpPr>
+            <p:nvPr/>
+          </p:nvCxnSpPr>
+          <p:spPr>
+            <a:xfrm>
+              <a:off x="5388429" y="1946366"/>
+              <a:ext cx="0" cy="3922904"/>
+            </a:xfrm>
+            <a:prstGeom prst="line">
+              <a:avLst/>
+            </a:prstGeom>
+          </p:spPr>
+          <p:style>
+            <a:lnRef idx="3">
+              <a:schemeClr val="accent2"/>
+            </a:lnRef>
+            <a:fillRef idx="0">
+              <a:schemeClr val="accent2"/>
+            </a:fillRef>
+            <a:effectRef idx="2">
+              <a:schemeClr val="accent2"/>
+            </a:effectRef>
+            <a:fontRef idx="minor">
+              <a:schemeClr val="tx1"/>
+            </a:fontRef>
+          </p:style>
+        </p:cxnSp>
+        <mc:AlternateContent xmlns:mc="http://schemas.openxmlformats.org/markup-compatibility/2006">
+          <mc:Choice xmlns:a14="http://schemas.microsoft.com/office/drawing/2010/main" Requires="a14">
+            <p:sp>
+              <p:nvSpPr>
+                <p:cNvPr id="8" name="TextBox 7">
+                  <a:extLst>
+                    <a:ext uri="{FF2B5EF4-FFF2-40B4-BE49-F238E27FC236}">
+                      <a16:creationId xmlns:a16="http://schemas.microsoft.com/office/drawing/2014/main" id="{CD6A2526-B1E6-43BE-A951-A568C23AF32F}"/>
+                    </a:ext>
+                  </a:extLst>
+                </p:cNvPr>
+                <p:cNvSpPr txBox="1"/>
+                <p:nvPr/>
+              </p:nvSpPr>
+              <p:spPr>
+                <a:xfrm>
+                  <a:off x="5126917" y="5863011"/>
+                  <a:ext cx="969083" cy="369332"/>
+                </a:xfrm>
+                <a:prstGeom prst="rect">
+                  <a:avLst/>
+                </a:prstGeom>
+                <a:noFill/>
+              </p:spPr>
+              <p:txBody>
+                <a:bodyPr wrap="square" rtlCol="0">
+                  <a:spAutoFit/>
+                </a:bodyPr>
+                <a:lstStyle/>
+                <a:p>
+                  <a14:m>
+                    <m:oMathPara xmlns:m="http://schemas.openxmlformats.org/officeDocument/2006/math">
+                      <m:oMathParaPr>
+                        <m:jc m:val="centerGroup"/>
+                      </m:oMathParaPr>
+                      <m:oMath xmlns:m="http://schemas.openxmlformats.org/officeDocument/2006/math">
+                        <m:sSub>
+                          <m:sSubPr>
+                            <m:ctrlPr>
+                              <a:rPr lang="en-US" i="1"/>
+                            </m:ctrlPr>
+                          </m:sSubPr>
+                          <m:e>
+                            <m:acc>
+                              <m:accPr>
+                                <m:chr m:val="̅"/>
+                                <m:ctrlPr>
+                                  <a:rPr lang="en-US" i="1"/>
+                                </m:ctrlPr>
+                              </m:accPr>
+                              <m:e>
+                                <m:r>
+                                  <a:rPr lang="en-US" i="1"/>
+                                  <m:t>𝑋</m:t>
+                                </m:r>
+                              </m:e>
+                            </m:acc>
+                          </m:e>
+                          <m:sub>
+                            <m:r>
+                              <a:rPr lang="en-US" i="1"/>
+                              <m:t>𝑐𝑟𝑖𝑡𝑖𝑐𝑎𝑙</m:t>
+                            </m:r>
+                          </m:sub>
+                        </m:sSub>
+                      </m:oMath>
+                    </m:oMathPara>
+                  </a14:m>
+                  <a:endParaRPr lang="en-US" dirty="0"/>
+                </a:p>
+              </p:txBody>
+            </p:sp>
+          </mc:Choice>
+          <mc:Fallback>
+            <p:sp>
+              <p:nvSpPr>
+                <p:cNvPr id="8" name="TextBox 7">
+                  <a:extLst>
+                    <a:ext uri="{FF2B5EF4-FFF2-40B4-BE49-F238E27FC236}">
+                      <a16:creationId xmlns:a16="http://schemas.microsoft.com/office/drawing/2014/main" id="{CD6A2526-B1E6-43BE-A951-A568C23AF32F}"/>
+                    </a:ext>
+                  </a:extLst>
+                </p:cNvPr>
+                <p:cNvSpPr txBox="1">
+                  <a:spLocks noRot="1" noChangeAspect="1" noMove="1" noResize="1" noEditPoints="1" noAdjustHandles="1" noChangeArrowheads="1" noChangeShapeType="1" noTextEdit="1"/>
+                </p:cNvSpPr>
+                <p:nvPr/>
+              </p:nvSpPr>
+              <p:spPr>
+                <a:xfrm>
+                  <a:off x="5126917" y="5863011"/>
+                  <a:ext cx="969083" cy="369332"/>
+                </a:xfrm>
+                <a:prstGeom prst="rect">
+                  <a:avLst/>
+                </a:prstGeom>
+                <a:blipFill>
+                  <a:blip r:embed="rId4"/>
+                  <a:stretch>
+                    <a:fillRect b="-3333"/>
+                  </a:stretch>
+                </a:blipFill>
+              </p:spPr>
+              <p:txBody>
+                <a:bodyPr/>
+                <a:lstStyle/>
+                <a:p>
+                  <a:r>
+                    <a:rPr lang="en-US">
+                      <a:noFill/>
+                    </a:rPr>
+                    <a:t> </a:t>
+                  </a:r>
+                </a:p>
+              </p:txBody>
+            </p:sp>
+          </mc:Fallback>
+        </mc:AlternateContent>
+        <p:sp>
+          <p:nvSpPr>
+            <p:cNvPr id="9" name="TextBox 8">
+              <a:extLst>
+                <a:ext uri="{FF2B5EF4-FFF2-40B4-BE49-F238E27FC236}">
+                  <a16:creationId xmlns:a16="http://schemas.microsoft.com/office/drawing/2014/main" id="{F7AEBC1B-4427-4251-9D9F-D7A6E5AED8D1}"/>
+                </a:ext>
+              </a:extLst>
+            </p:cNvPr>
+            <p:cNvSpPr txBox="1"/>
+            <p:nvPr/>
+          </p:nvSpPr>
+          <p:spPr>
+            <a:xfrm>
+              <a:off x="3722451" y="2452168"/>
+              <a:ext cx="465905" cy="369332"/>
+            </a:xfrm>
+            <a:prstGeom prst="rect">
+              <a:avLst/>
+            </a:prstGeom>
+            <a:noFill/>
+          </p:spPr>
+          <p:txBody>
+            <a:bodyPr wrap="square" rtlCol="0">
+              <a:spAutoFit/>
+            </a:bodyPr>
+            <a:lstStyle/>
+            <a:p>
+              <a:r>
+                <a:rPr lang="el-GR" dirty="0"/>
+                <a:t>μ</a:t>
+              </a:r>
+              <a:endParaRPr lang="en-US" dirty="0"/>
+            </a:p>
+          </p:txBody>
+        </p:sp>
+        <p:sp>
+          <p:nvSpPr>
+            <p:cNvPr id="20" name="TextBox 19">
+              <a:extLst>
+                <a:ext uri="{FF2B5EF4-FFF2-40B4-BE49-F238E27FC236}">
+                  <a16:creationId xmlns:a16="http://schemas.microsoft.com/office/drawing/2014/main" id="{62D1CBC3-DAD3-4F7A-A765-F11466693D19}"/>
+                </a:ext>
+              </a:extLst>
+            </p:cNvPr>
+            <p:cNvSpPr txBox="1"/>
+            <p:nvPr/>
+          </p:nvSpPr>
+          <p:spPr>
+            <a:xfrm>
+              <a:off x="4346669" y="4169075"/>
+              <a:ext cx="1041760" cy="369332"/>
+            </a:xfrm>
+            <a:prstGeom prst="rect">
+              <a:avLst/>
+            </a:prstGeom>
+            <a:noFill/>
+          </p:spPr>
+          <p:txBody>
+            <a:bodyPr wrap="square" rtlCol="0">
+              <a:spAutoFit/>
+            </a:bodyPr>
+            <a:lstStyle/>
+            <a:p>
+              <a:r>
+                <a:rPr lang="el-GR" dirty="0"/>
+                <a:t>μ</a:t>
+              </a:r>
+              <a:r>
+                <a:rPr lang="en-US" baseline="-25000" dirty="0"/>
+                <a:t>n</a:t>
+              </a:r>
+              <a:r>
+                <a:rPr lang="en-US" dirty="0"/>
+                <a:t> &gt;</a:t>
+              </a:r>
+              <a:r>
+                <a:rPr lang="el-GR" dirty="0"/>
+                <a:t> μ</a:t>
+              </a:r>
+              <a:endParaRPr lang="en-US" dirty="0"/>
+            </a:p>
+          </p:txBody>
+        </p:sp>
+        <p:sp>
+          <p:nvSpPr>
+            <p:cNvPr id="22" name="TextBox 21">
+              <a:extLst>
+                <a:ext uri="{FF2B5EF4-FFF2-40B4-BE49-F238E27FC236}">
+                  <a16:creationId xmlns:a16="http://schemas.microsoft.com/office/drawing/2014/main" id="{759823C2-0AF3-4EBF-A4FF-0797EC1095F9}"/>
+                </a:ext>
+              </a:extLst>
+            </p:cNvPr>
+            <p:cNvSpPr txBox="1"/>
+            <p:nvPr/>
+          </p:nvSpPr>
+          <p:spPr>
+            <a:xfrm>
+              <a:off x="4157360" y="3429000"/>
+              <a:ext cx="307332" cy="369332"/>
+            </a:xfrm>
+            <a:prstGeom prst="rect">
+              <a:avLst/>
+            </a:prstGeom>
+            <a:noFill/>
+          </p:spPr>
+          <p:txBody>
+            <a:bodyPr wrap="square" rtlCol="0">
+              <a:spAutoFit/>
+            </a:bodyPr>
+            <a:lstStyle/>
+            <a:p>
+              <a:r>
+                <a:rPr lang="el-GR" b="1" dirty="0">
+                  <a:solidFill>
+                    <a:srgbClr val="FF0000"/>
+                  </a:solidFill>
+                  <a:latin typeface="Calibri" panose="020F0502020204030204" pitchFamily="34" charset="0"/>
+                  <a:cs typeface="Calibri" panose="020F0502020204030204" pitchFamily="34" charset="0"/>
+                </a:rPr>
+                <a:t>β</a:t>
+              </a:r>
+              <a:r>
+                <a:rPr lang="en-US" dirty="0"/>
+                <a:t> </a:t>
+              </a:r>
+            </a:p>
+          </p:txBody>
+        </p:sp>
+      </p:grpSp>
+    </p:spTree>
+    <p:extLst>
+      <p:ext uri="{BB962C8B-B14F-4D97-AF65-F5344CB8AC3E}">
+        <p14:creationId xmlns:p14="http://schemas.microsoft.com/office/powerpoint/2010/main" val="3755718290"/>
+      </p:ext>
+    </p:extLst>
+  </p:cSld>
+  <p:clrMapOvr>
+    <a:masterClrMapping/>
+  </p:clrMapOvr>
+</p:sld>
+</file>
+
+<file path=ppt/slides/slide24.xml><?xml version="1.0" encoding="utf-8"?>
+<p:sld xmlns:a="http://schemas.openxmlformats.org/drawingml/2006/main" xmlns:r="http://schemas.openxmlformats.org/officeDocument/2006/relationships" xmlns:p="http://schemas.openxmlformats.org/presentationml/2006/main">
+  <p:cSld>
+    <p:spTree>
+      <p:nvGrpSpPr>
+        <p:cNvPr id="1" name=""/>
+        <p:cNvGrpSpPr/>
+        <p:nvPr/>
+      </p:nvGrpSpPr>
+      <p:grpSpPr>
+        <a:xfrm>
+          <a:off x="0" y="0"/>
+          <a:ext cx="0" cy="0"/>
+          <a:chOff x="0" y="0"/>
+          <a:chExt cx="0" cy="0"/>
+        </a:xfrm>
+      </p:grpSpPr>
       <p:sp>
         <p:nvSpPr>
           <p:cNvPr id="2" name="Title 1"/>
@@ -31733,7 +32518,7 @@
 </p:sld>
 </file>
 
-<file path=ppt/slides/slide24.xml><?xml version="1.0" encoding="utf-8"?>
+<file path=ppt/slides/slide25.xml><?xml version="1.0" encoding="utf-8"?>
 <p:sld xmlns:a="http://schemas.openxmlformats.org/drawingml/2006/main" xmlns:r="http://schemas.openxmlformats.org/officeDocument/2006/relationships" xmlns:p="http://schemas.openxmlformats.org/presentationml/2006/main">
   <p:cSld>
     <p:spTree>
@@ -33224,7 +34009,7 @@
 </p:sld>
 </file>
 
-<file path=ppt/slides/slide25.xml><?xml version="1.0" encoding="utf-8"?>
+<file path=ppt/slides/slide26.xml><?xml version="1.0" encoding="utf-8"?>
 <p:sld xmlns:a="http://schemas.openxmlformats.org/drawingml/2006/main" xmlns:r="http://schemas.openxmlformats.org/officeDocument/2006/relationships" xmlns:p="http://schemas.openxmlformats.org/presentationml/2006/main">
   <p:cSld>
     <p:spTree>
@@ -36400,7 +37185,7 @@
 </p:sld>
 </file>
 
-<file path=ppt/slides/slide26.xml><?xml version="1.0" encoding="utf-8"?>
+<file path=ppt/slides/slide27.xml><?xml version="1.0" encoding="utf-8"?>
 <p:sld xmlns:a="http://schemas.openxmlformats.org/drawingml/2006/main" xmlns:r="http://schemas.openxmlformats.org/officeDocument/2006/relationships" xmlns:p="http://schemas.openxmlformats.org/presentationml/2006/main">
   <p:cSld>
     <p:spTree>
@@ -37836,7 +38621,7 @@
 </p:sld>
 </file>
 
-<file path=ppt/slides/slide27.xml><?xml version="1.0" encoding="utf-8"?>
+<file path=ppt/slides/slide28.xml><?xml version="1.0" encoding="utf-8"?>
 <p:sld xmlns:a="http://schemas.openxmlformats.org/drawingml/2006/main" xmlns:r="http://schemas.openxmlformats.org/officeDocument/2006/relationships" xmlns:p="http://schemas.openxmlformats.org/presentationml/2006/main">
   <p:cSld>
     <p:spTree>
@@ -42848,7 +43633,7 @@
           <p:nvPr>
             <p:extLst>
               <p:ext uri="{D42A27DB-BD31-4B8C-83A1-F6EECF244321}">
-                <p14:modId xmlns:p14="http://schemas.microsoft.com/office/powerpoint/2010/main" val="1932862394"/>
+                <p14:modId xmlns:p14="http://schemas.microsoft.com/office/powerpoint/2010/main" val="1016556301"/>
               </p:ext>
             </p:extLst>
           </p:nvPr>
@@ -43156,6 +43941,98 @@
           </a:fontRef>
         </p:style>
       </p:cxnSp>
+      <p:sp>
+        <p:nvSpPr>
+          <p:cNvPr id="4" name="Oval 3">
+            <a:extLst>
+              <a:ext uri="{FF2B5EF4-FFF2-40B4-BE49-F238E27FC236}">
+                <a16:creationId xmlns:a16="http://schemas.microsoft.com/office/drawing/2014/main" id="{C6C70084-AA70-4F97-9718-FCAE4EA7B187}"/>
+              </a:ext>
+            </a:extLst>
+          </p:cNvPr>
+          <p:cNvSpPr/>
+          <p:nvPr/>
+        </p:nvSpPr>
+        <p:spPr>
+          <a:xfrm>
+            <a:off x="5570858" y="5356692"/>
+            <a:ext cx="130628" cy="130628"/>
+          </a:xfrm>
+          <a:prstGeom prst="ellipse">
+            <a:avLst/>
+          </a:prstGeom>
+        </p:spPr>
+        <p:style>
+          <a:lnRef idx="2">
+            <a:schemeClr val="accent5">
+              <a:shade val="50000"/>
+            </a:schemeClr>
+          </a:lnRef>
+          <a:fillRef idx="1">
+            <a:schemeClr val="accent5"/>
+          </a:fillRef>
+          <a:effectRef idx="0">
+            <a:schemeClr val="accent5"/>
+          </a:effectRef>
+          <a:fontRef idx="minor">
+            <a:schemeClr val="lt1"/>
+          </a:fontRef>
+        </p:style>
+        <p:txBody>
+          <a:bodyPr rtlCol="0" anchor="ctr"/>
+          <a:lstStyle/>
+          <a:p>
+            <a:pPr algn="ctr"/>
+            <a:endParaRPr lang="en-US"/>
+          </a:p>
+        </p:txBody>
+      </p:sp>
+      <p:sp>
+        <p:nvSpPr>
+          <p:cNvPr id="19" name="Oval 18">
+            <a:extLst>
+              <a:ext uri="{FF2B5EF4-FFF2-40B4-BE49-F238E27FC236}">
+                <a16:creationId xmlns:a16="http://schemas.microsoft.com/office/drawing/2014/main" id="{0C0E2F8B-BB62-48C8-83F1-1291D6F544E1}"/>
+              </a:ext>
+            </a:extLst>
+          </p:cNvPr>
+          <p:cNvSpPr/>
+          <p:nvPr/>
+        </p:nvSpPr>
+        <p:spPr>
+          <a:xfrm>
+            <a:off x="8099038" y="5356692"/>
+            <a:ext cx="130628" cy="130628"/>
+          </a:xfrm>
+          <a:prstGeom prst="ellipse">
+            <a:avLst/>
+          </a:prstGeom>
+        </p:spPr>
+        <p:style>
+          <a:lnRef idx="2">
+            <a:schemeClr val="accent5">
+              <a:shade val="50000"/>
+            </a:schemeClr>
+          </a:lnRef>
+          <a:fillRef idx="1">
+            <a:schemeClr val="accent5"/>
+          </a:fillRef>
+          <a:effectRef idx="0">
+            <a:schemeClr val="accent5"/>
+          </a:effectRef>
+          <a:fontRef idx="minor">
+            <a:schemeClr val="lt1"/>
+          </a:fontRef>
+        </p:style>
+        <p:txBody>
+          <a:bodyPr rtlCol="0" anchor="ctr"/>
+          <a:lstStyle/>
+          <a:p>
+            <a:pPr algn="ctr"/>
+            <a:endParaRPr lang="en-US"/>
+          </a:p>
+        </p:txBody>
+      </p:sp>
     </p:spTree>
     <p:extLst>
       <p:ext uri="{BB962C8B-B14F-4D97-AF65-F5344CB8AC3E}">
@@ -45896,154 +46773,179 @@
           </a:p>
         </p:txBody>
       </p:sp>
-      <p:graphicFrame>
-        <p:nvGraphicFramePr>
-          <p:cNvPr id="3" name="Chart 2"/>
-          <p:cNvGraphicFramePr>
-            <a:graphicFrameLocks/>
-          </p:cNvGraphicFramePr>
-          <p:nvPr>
-            <p:extLst/>
-          </p:nvPr>
-        </p:nvGraphicFramePr>
-        <p:xfrm>
-          <a:off x="1173721" y="1448972"/>
-          <a:ext cx="6746389" cy="5209405"/>
-        </p:xfrm>
-        <a:graphic>
-          <a:graphicData uri="http://schemas.openxmlformats.org/drawingml/2006/chart">
-            <c:chart xmlns:c="http://schemas.openxmlformats.org/drawingml/2006/chart" xmlns:r="http://schemas.openxmlformats.org/officeDocument/2006/relationships" r:id="rId2"/>
-          </a:graphicData>
-        </a:graphic>
-      </p:graphicFrame>
-      <p:sp>
-        <p:nvSpPr>
-          <p:cNvPr id="4" name="TextBox 3"/>
-          <p:cNvSpPr txBox="1"/>
-          <p:nvPr/>
-        </p:nvSpPr>
-        <p:spPr>
-          <a:xfrm>
-            <a:off x="4975668" y="1659988"/>
-            <a:ext cx="1153551" cy="369332"/>
-          </a:xfrm>
-          <a:prstGeom prst="rect">
-            <a:avLst/>
-          </a:prstGeom>
-          <a:noFill/>
-        </p:spPr>
-        <p:txBody>
-          <a:bodyPr wrap="square" rtlCol="0">
-            <a:spAutoFit/>
-          </a:bodyPr>
-          <a:lstStyle/>
-          <a:p>
-            <a:r>
-              <a:rPr lang="en-IN" dirty="0"/>
-              <a:t>1003.55</a:t>
-            </a:r>
-          </a:p>
-        </p:txBody>
-      </p:sp>
-      <p:sp>
-        <p:nvSpPr>
-          <p:cNvPr id="5" name="TextBox 4"/>
-          <p:cNvSpPr txBox="1"/>
-          <p:nvPr/>
-        </p:nvSpPr>
-        <p:spPr>
-          <a:xfrm>
-            <a:off x="6302327" y="3924886"/>
-            <a:ext cx="928468" cy="369332"/>
-          </a:xfrm>
-          <a:prstGeom prst="rect">
-            <a:avLst/>
-          </a:prstGeom>
-          <a:noFill/>
-        </p:spPr>
-        <p:txBody>
-          <a:bodyPr wrap="square" rtlCol="0">
-            <a:spAutoFit/>
-          </a:bodyPr>
-          <a:lstStyle/>
-          <a:p>
-            <a:r>
-              <a:rPr lang="en-IN" dirty="0"/>
-              <a:t>0.3299</a:t>
-            </a:r>
-          </a:p>
-        </p:txBody>
-      </p:sp>
-      <p:cxnSp>
-        <p:nvCxnSpPr>
-          <p:cNvPr id="7" name="Straight Arrow Connector 6"/>
-          <p:cNvCxnSpPr>
-            <a:stCxn id="5" idx="2"/>
-          </p:cNvCxnSpPr>
-          <p:nvPr/>
-        </p:nvCxnSpPr>
-        <p:spPr>
-          <a:xfrm flipH="1">
-            <a:off x="5373858" y="4294218"/>
-            <a:ext cx="1392703" cy="1093708"/>
-          </a:xfrm>
-          <a:prstGeom prst="straightConnector1">
-            <a:avLst/>
-          </a:prstGeom>
-          <a:ln w="25400">
-            <a:tailEnd type="triangle"/>
-          </a:ln>
-        </p:spPr>
-        <p:style>
-          <a:lnRef idx="1">
-            <a:schemeClr val="accent1"/>
-          </a:lnRef>
-          <a:fillRef idx="0">
-            <a:schemeClr val="accent1"/>
-          </a:fillRef>
-          <a:effectRef idx="0">
-            <a:schemeClr val="accent1"/>
-          </a:effectRef>
-          <a:fontRef idx="minor">
-            <a:schemeClr val="tx1"/>
-          </a:fontRef>
-        </p:style>
-      </p:cxnSp>
-      <p:sp>
-        <p:nvSpPr>
-          <p:cNvPr id="8" name="TextBox 7">
+      <p:grpSp>
+        <p:nvGrpSpPr>
+          <p:cNvPr id="6" name="Group 5">
             <a:extLst>
               <a:ext uri="{FF2B5EF4-FFF2-40B4-BE49-F238E27FC236}">
-                <a16:creationId xmlns:a16="http://schemas.microsoft.com/office/drawing/2014/main" id="{18B57DE2-96AE-43F1-BA9A-F897DE20D076}"/>
+                <a16:creationId xmlns:a16="http://schemas.microsoft.com/office/drawing/2014/main" id="{9DA13D00-9E5A-4436-95E9-CC6415BAAB16}"/>
               </a:ext>
             </a:extLst>
           </p:cNvPr>
-          <p:cNvSpPr txBox="1"/>
+          <p:cNvGrpSpPr/>
           <p:nvPr/>
-        </p:nvSpPr>
-        <p:spPr>
+        </p:nvGrpSpPr>
+        <p:grpSpPr>
           <a:xfrm>
-            <a:off x="7129030" y="1643576"/>
-            <a:ext cx="1153551" cy="369332"/>
+            <a:off x="1173721" y="1448972"/>
+            <a:ext cx="7108860" cy="5209405"/>
+            <a:chOff x="1173721" y="1448972"/>
+            <a:chExt cx="7108860" cy="5209405"/>
           </a:xfrm>
-          <a:prstGeom prst="rect">
-            <a:avLst/>
-          </a:prstGeom>
-          <a:noFill/>
-        </p:spPr>
-        <p:txBody>
-          <a:bodyPr wrap="square" rtlCol="0">
-            <a:spAutoFit/>
-          </a:bodyPr>
-          <a:lstStyle/>
-          <a:p>
-            <a:r>
-              <a:rPr lang="en-IN" dirty="0"/>
-              <a:t>1004.21</a:t>
-            </a:r>
-          </a:p>
-        </p:txBody>
-      </p:sp>
+        </p:grpSpPr>
+        <p:graphicFrame>
+          <p:nvGraphicFramePr>
+            <p:cNvPr id="3" name="Chart 2"/>
+            <p:cNvGraphicFramePr>
+              <a:graphicFrameLocks/>
+            </p:cNvGraphicFramePr>
+            <p:nvPr>
+              <p:extLst>
+                <p:ext uri="{D42A27DB-BD31-4B8C-83A1-F6EECF244321}">
+                  <p14:modId xmlns:p14="http://schemas.microsoft.com/office/powerpoint/2010/main" val="2355344011"/>
+                </p:ext>
+              </p:extLst>
+            </p:nvPr>
+          </p:nvGraphicFramePr>
+          <p:xfrm>
+            <a:off x="1173721" y="1448972"/>
+            <a:ext cx="6746389" cy="5209405"/>
+          </p:xfrm>
+          <a:graphic>
+            <a:graphicData uri="http://schemas.openxmlformats.org/drawingml/2006/chart">
+              <c:chart xmlns:c="http://schemas.openxmlformats.org/drawingml/2006/chart" xmlns:r="http://schemas.openxmlformats.org/officeDocument/2006/relationships" r:id="rId2"/>
+            </a:graphicData>
+          </a:graphic>
+        </p:graphicFrame>
+        <p:sp>
+          <p:nvSpPr>
+            <p:cNvPr id="4" name="TextBox 3"/>
+            <p:cNvSpPr txBox="1"/>
+            <p:nvPr/>
+          </p:nvSpPr>
+          <p:spPr>
+            <a:xfrm>
+              <a:off x="4975668" y="1659988"/>
+              <a:ext cx="1153551" cy="369332"/>
+            </a:xfrm>
+            <a:prstGeom prst="rect">
+              <a:avLst/>
+            </a:prstGeom>
+            <a:noFill/>
+          </p:spPr>
+          <p:txBody>
+            <a:bodyPr wrap="square" rtlCol="0">
+              <a:spAutoFit/>
+            </a:bodyPr>
+            <a:lstStyle/>
+            <a:p>
+              <a:r>
+                <a:rPr lang="en-IN" dirty="0"/>
+                <a:t>1003.55</a:t>
+              </a:r>
+            </a:p>
+          </p:txBody>
+        </p:sp>
+        <p:sp>
+          <p:nvSpPr>
+            <p:cNvPr id="5" name="TextBox 4"/>
+            <p:cNvSpPr txBox="1"/>
+            <p:nvPr/>
+          </p:nvSpPr>
+          <p:spPr>
+            <a:xfrm>
+              <a:off x="6302327" y="3924886"/>
+              <a:ext cx="928468" cy="369332"/>
+            </a:xfrm>
+            <a:prstGeom prst="rect">
+              <a:avLst/>
+            </a:prstGeom>
+            <a:noFill/>
+          </p:spPr>
+          <p:txBody>
+            <a:bodyPr wrap="square" rtlCol="0">
+              <a:spAutoFit/>
+            </a:bodyPr>
+            <a:lstStyle/>
+            <a:p>
+              <a:r>
+                <a:rPr lang="en-IN" dirty="0"/>
+                <a:t>0.3299</a:t>
+              </a:r>
+            </a:p>
+          </p:txBody>
+        </p:sp>
+        <p:cxnSp>
+          <p:nvCxnSpPr>
+            <p:cNvPr id="7" name="Straight Arrow Connector 6"/>
+            <p:cNvCxnSpPr>
+              <a:stCxn id="5" idx="2"/>
+            </p:cNvCxnSpPr>
+            <p:nvPr/>
+          </p:nvCxnSpPr>
+          <p:spPr>
+            <a:xfrm flipH="1">
+              <a:off x="5373858" y="4294218"/>
+              <a:ext cx="1392703" cy="1093708"/>
+            </a:xfrm>
+            <a:prstGeom prst="straightConnector1">
+              <a:avLst/>
+            </a:prstGeom>
+            <a:ln w="25400">
+              <a:tailEnd type="triangle"/>
+            </a:ln>
+          </p:spPr>
+          <p:style>
+            <a:lnRef idx="1">
+              <a:schemeClr val="accent1"/>
+            </a:lnRef>
+            <a:fillRef idx="0">
+              <a:schemeClr val="accent1"/>
+            </a:fillRef>
+            <a:effectRef idx="0">
+              <a:schemeClr val="accent1"/>
+            </a:effectRef>
+            <a:fontRef idx="minor">
+              <a:schemeClr val="tx1"/>
+            </a:fontRef>
+          </p:style>
+        </p:cxnSp>
+        <p:sp>
+          <p:nvSpPr>
+            <p:cNvPr id="8" name="TextBox 7">
+              <a:extLst>
+                <a:ext uri="{FF2B5EF4-FFF2-40B4-BE49-F238E27FC236}">
+                  <a16:creationId xmlns:a16="http://schemas.microsoft.com/office/drawing/2014/main" id="{18B57DE2-96AE-43F1-BA9A-F897DE20D076}"/>
+                </a:ext>
+              </a:extLst>
+            </p:cNvPr>
+            <p:cNvSpPr txBox="1"/>
+            <p:nvPr/>
+          </p:nvSpPr>
+          <p:spPr>
+            <a:xfrm>
+              <a:off x="7129030" y="1643576"/>
+              <a:ext cx="1153551" cy="369332"/>
+            </a:xfrm>
+            <a:prstGeom prst="rect">
+              <a:avLst/>
+            </a:prstGeom>
+            <a:noFill/>
+          </p:spPr>
+          <p:txBody>
+            <a:bodyPr wrap="square" rtlCol="0">
+              <a:spAutoFit/>
+            </a:bodyPr>
+            <a:lstStyle/>
+            <a:p>
+              <a:r>
+                <a:rPr lang="en-IN" dirty="0"/>
+                <a:t>1004.21</a:t>
+              </a:r>
+            </a:p>
+          </p:txBody>
+        </p:sp>
+      </p:grpSp>
     </p:spTree>
     <p:extLst>
       <p:ext uri="{BB962C8B-B14F-4D97-AF65-F5344CB8AC3E}">
